--- a/1.Introdutory lecture Prog511.pptx
+++ b/1.Introdutory lecture Prog511.pptx
@@ -8138,12 +8138,12 @@
           <a:lstStyle/>
           <a:p>
             <a:r>
-              <a:rPr lang="en-GB" dirty="0" smtClean="0"/>
+              <a:rPr lang="en-GB" smtClean="0"/>
               <a:t> </a:t>
             </a:r>
             <a:r>
-              <a:rPr lang="en-GB" b="1" dirty="0" smtClean="0"/>
-              <a:t>Information Systems 622</a:t>
+              <a:rPr lang="en-GB" b="1" smtClean="0"/>
+              <a:t>Programming 511</a:t>
             </a:r>
             <a:r>
               <a:rPr lang="en-GB" dirty="0"/>
@@ -8175,15 +8175,7 @@
           <a:p>
             <a:r>
               <a:rPr lang="en-US" dirty="0" smtClean="0"/>
-              <a:t>PROG511</a:t>
-            </a:r>
-            <a:r>
-              <a:rPr lang="en-US" dirty="0" smtClean="0"/>
-              <a:t>, </a:t>
-            </a:r>
-            <a:r>
-              <a:rPr lang="en-US" dirty="0" smtClean="0"/>
-              <a:t>Introduction</a:t>
+              <a:t>PROG511, Introduction</a:t>
             </a:r>
             <a:endParaRPr lang="en-US" dirty="0"/>
           </a:p>
@@ -8364,11 +8356,7 @@
             </a:r>
             <a:r>
               <a:rPr lang="en-ZA" sz="2100" dirty="0" smtClean="0"/>
-              <a:t> </a:t>
-            </a:r>
-            <a:r>
-              <a:rPr lang="en-ZA" sz="2100" dirty="0" smtClean="0"/>
-              <a:t>floor</a:t>
+              <a:t> floor</a:t>
             </a:r>
           </a:p>
           <a:p>
@@ -8607,55 +8595,25 @@
             </a:pPr>
             <a:r>
               <a:rPr lang="en-GB" dirty="0" smtClean="0"/>
-              <a:t>Mon:  </a:t>
-            </a:r>
+              <a:t>Mon:  14:05 room 501</a:t>
+            </a:r>
+          </a:p>
+          <a:p>
+            <a:pPr marL="0" indent="0">
+              <a:buNone/>
+            </a:pPr>
             <a:r>
               <a:rPr lang="en-GB" dirty="0" smtClean="0"/>
-              <a:t>14:05 </a:t>
-            </a:r>
+              <a:t>Tues:  08:15 room 501</a:t>
+            </a:r>
+          </a:p>
+          <a:p>
+            <a:pPr marL="0" indent="0">
+              <a:buNone/>
+            </a:pPr>
             <a:r>
               <a:rPr lang="en-GB" dirty="0" smtClean="0"/>
-              <a:t>room </a:t>
-            </a:r>
-            <a:r>
-              <a:rPr lang="en-GB" dirty="0" smtClean="0"/>
-              <a:t>501</a:t>
-            </a:r>
-            <a:endParaRPr lang="en-GB" dirty="0" smtClean="0"/>
-          </a:p>
-          <a:p>
-            <a:pPr marL="0" indent="0">
-              <a:buNone/>
-            </a:pPr>
-            <a:r>
-              <a:rPr lang="en-GB" dirty="0" smtClean="0"/>
-              <a:t>Tues</a:t>
-            </a:r>
-            <a:r>
-              <a:rPr lang="en-GB" dirty="0" smtClean="0"/>
-              <a:t>:  08:15 </a:t>
-            </a:r>
-            <a:r>
-              <a:rPr lang="en-GB" dirty="0" smtClean="0"/>
-              <a:t>room </a:t>
-            </a:r>
-            <a:r>
-              <a:rPr lang="en-GB" dirty="0" smtClean="0"/>
-              <a:t>501</a:t>
-            </a:r>
-            <a:endParaRPr lang="en-GB" dirty="0" smtClean="0"/>
-          </a:p>
-          <a:p>
-            <a:pPr marL="0" indent="0">
-              <a:buNone/>
-            </a:pPr>
-            <a:r>
-              <a:rPr lang="en-GB" dirty="0" smtClean="0"/>
-              <a:t>Wed</a:t>
-            </a:r>
-            <a:r>
-              <a:rPr lang="en-GB" dirty="0" smtClean="0"/>
-              <a:t>:   08:15 </a:t>
+              <a:t>Wed:   08:15 </a:t>
             </a:r>
             <a:r>
               <a:rPr lang="en-GB" dirty="0" err="1" smtClean="0"/>
@@ -8765,11 +8723,7 @@
             </a:r>
             <a:r>
               <a:rPr lang="en-GB" dirty="0" smtClean="0"/>
-              <a:t> </a:t>
-            </a:r>
-            <a:r>
-              <a:rPr lang="en-GB" dirty="0" smtClean="0"/>
-              <a:t>10:15 </a:t>
+              <a:t> 10:15 </a:t>
             </a:r>
             <a:r>
               <a:rPr lang="en-GB" dirty="0" err="1" smtClean="0"/>
@@ -8816,11 +8770,6 @@
               </a:rPr>
               <a:t>15:05 room 101 group 1</a:t>
             </a:r>
-            <a:endParaRPr lang="en-GB" dirty="0" smtClean="0">
-              <a:solidFill>
-                <a:srgbClr val="00B050"/>
-              </a:solidFill>
-            </a:endParaRPr>
           </a:p>
           <a:p>
             <a:pPr marL="0" indent="0">
@@ -8848,15 +8797,7 @@
                   <a:srgbClr val="FF0000"/>
                 </a:solidFill>
               </a:rPr>
-              <a:t>08</a:t>
-            </a:r>
-            <a:r>
-              <a:rPr lang="en-GB" dirty="0" smtClean="0">
-                <a:solidFill>
-                  <a:srgbClr val="FF0000"/>
-                </a:solidFill>
-              </a:rPr>
-              <a:t>:15 </a:t>
+              <a:t>08:15 </a:t>
             </a:r>
             <a:r>
               <a:rPr lang="en-GB" dirty="0" err="1" smtClean="0">
@@ -8912,15 +8853,7 @@
                   <a:srgbClr val="00B050"/>
                 </a:solidFill>
               </a:rPr>
-              <a:t>101</a:t>
-            </a:r>
-            <a:r>
-              <a:rPr lang="en-GB" dirty="0" smtClean="0">
-                <a:solidFill>
-                  <a:srgbClr val="00B050"/>
-                </a:solidFill>
-              </a:rPr>
-              <a:t> group1</a:t>
+              <a:t>101 group1</a:t>
             </a:r>
             <a:endParaRPr lang="en-GB" dirty="0">
               <a:solidFill>
@@ -8934,11 +8867,7 @@
             </a:pPr>
             <a:r>
               <a:rPr lang="en-GB" dirty="0" smtClean="0"/>
-              <a:t>Fri:  </a:t>
-            </a:r>
-            <a:r>
-              <a:rPr lang="en-GB" dirty="0" smtClean="0"/>
-              <a:t> </a:t>
+              <a:t>Fri:   </a:t>
             </a:r>
             <a:r>
               <a:rPr lang="en-GB" dirty="0" smtClean="0">
@@ -9270,11 +9199,7 @@
             </a:r>
             <a:r>
               <a:rPr lang="en-ZA" b="1" dirty="0" smtClean="0"/>
-              <a:t>Fundamentals Of Programming In VB.NET</a:t>
-            </a:r>
-            <a:r>
-              <a:rPr lang="en-ZA" b="1" dirty="0" smtClean="0"/>
-              <a:t> </a:t>
+              <a:t>Fundamentals Of Programming In VB.NET </a:t>
             </a:r>
             <a:endParaRPr lang="en-ZA" dirty="0"/>
           </a:p>
@@ -9526,11 +9451,7 @@
           <a:p>
             <a:r>
               <a:rPr lang="en-US" dirty="0" smtClean="0"/>
-              <a:t>Class-Rep </a:t>
-            </a:r>
-            <a:r>
-              <a:rPr lang="en-US" dirty="0" smtClean="0"/>
-              <a:t>details</a:t>
+              <a:t>Class-Rep details</a:t>
             </a:r>
             <a:endParaRPr lang="en-GB" dirty="0"/>
           </a:p>
